--- a/Luxury furniture in Brussels (Belgium).pptx
+++ b/Luxury furniture in Brussels (Belgium).pptx
@@ -6,13 +6,14 @@
   </p:sldMasterIdLst>
   <p:sldIdLst>
     <p:sldId id="256" r:id="rId2"/>
-    <p:sldId id="257" r:id="rId3"/>
-    <p:sldId id="258" r:id="rId4"/>
-    <p:sldId id="259" r:id="rId5"/>
-    <p:sldId id="260" r:id="rId6"/>
-    <p:sldId id="261" r:id="rId7"/>
-    <p:sldId id="262" r:id="rId8"/>
-    <p:sldId id="263" r:id="rId9"/>
+    <p:sldId id="264" r:id="rId3"/>
+    <p:sldId id="257" r:id="rId4"/>
+    <p:sldId id="258" r:id="rId5"/>
+    <p:sldId id="259" r:id="rId6"/>
+    <p:sldId id="260" r:id="rId7"/>
+    <p:sldId id="261" r:id="rId8"/>
+    <p:sldId id="262" r:id="rId9"/>
+    <p:sldId id="263" r:id="rId10"/>
   </p:sldIdLst>
   <p:sldSz cx="9144000" cy="6858000" type="screen4x3"/>
   <p:notesSz cx="6858000" cy="9144000"/>
@@ -4723,113 +4724,74 @@
         </p:nvSpPr>
         <p:spPr/>
         <p:txBody>
-          <a:bodyPr>
-            <a:noAutofit/>
-          </a:bodyPr>
-          <a:lstStyle/>
-          <a:p>
-            <a:pPr marL="109728" indent="0">
-              <a:buNone/>
-            </a:pPr>
-            <a:r>
-              <a:rPr lang="en-US" sz="2000" dirty="0">
-                <a:solidFill>
-                  <a:srgbClr val="0070C0"/>
-                </a:solidFill>
-              </a:rPr>
-              <a:t>An international seller of luxury furnishing wants to:</a:t>
-            </a:r>
-            <a:endParaRPr lang="fr-BE" sz="2000" dirty="0">
-              <a:solidFill>
-                <a:srgbClr val="0070C0"/>
-              </a:solidFill>
-            </a:endParaRPr>
-          </a:p>
-          <a:p>
-            <a:pPr lvl="0"/>
-            <a:r>
-              <a:rPr lang="en-US" sz="1800" dirty="0"/>
-              <a:t>launch a marketing campaign in Belgium </a:t>
-            </a:r>
-            <a:endParaRPr lang="fr-BE" sz="1800" dirty="0"/>
-          </a:p>
-          <a:p>
-            <a:r>
-              <a:rPr lang="en-US" sz="1800" dirty="0"/>
-              <a:t>create a few stores in Belgium (if it estimates the market is not packed yet of similar stores</a:t>
-            </a:r>
-            <a:r>
-              <a:rPr lang="en-US" sz="1800" dirty="0" smtClean="0"/>
-              <a:t>)</a:t>
-            </a:r>
-          </a:p>
-          <a:p>
-            <a:pPr marL="109728" indent="0">
-              <a:buNone/>
-            </a:pPr>
-            <a:endParaRPr lang="en-US" sz="2000" dirty="0"/>
-          </a:p>
-          <a:p>
-            <a:pPr marL="109728" indent="0">
-              <a:buNone/>
-            </a:pPr>
-            <a:r>
-              <a:rPr lang="en-US" sz="2000" dirty="0">
-                <a:solidFill>
-                  <a:srgbClr val="0070C0"/>
-                </a:solidFill>
-              </a:rPr>
-              <a:t>The potential customers share the following features:</a:t>
-            </a:r>
-            <a:endParaRPr lang="fr-BE" sz="2000" dirty="0">
-              <a:solidFill>
-                <a:srgbClr val="0070C0"/>
-              </a:solidFill>
-            </a:endParaRPr>
-          </a:p>
-          <a:p>
-            <a:pPr lvl="0"/>
-            <a:r>
-              <a:rPr lang="en-US" sz="1800" dirty="0"/>
-              <a:t>Age: 18-44 years</a:t>
-            </a:r>
-            <a:endParaRPr lang="fr-BE" sz="1800" dirty="0"/>
-          </a:p>
-          <a:p>
-            <a:pPr lvl="0"/>
-            <a:r>
-              <a:rPr lang="en-US" sz="1800" dirty="0"/>
-              <a:t>High propensity to buy luxury furniture’s assessed based on  housing price </a:t>
-            </a:r>
-            <a:endParaRPr lang="fr-BE" sz="1800" dirty="0"/>
-          </a:p>
-          <a:p>
-            <a:r>
-              <a:rPr lang="en-US" sz="1800" dirty="0"/>
-              <a:t>Owner of the housing (these are assumed to be more likely to buy luxury furniture’s)</a:t>
-            </a:r>
-            <a:endParaRPr lang="fr-BE" sz="1800" dirty="0"/>
-          </a:p>
-        </p:txBody>
-      </p:sp>
-      <p:sp>
-        <p:nvSpPr>
-          <p:cNvPr id="3" name="Title 2"/>
-          <p:cNvSpPr>
-            <a:spLocks noGrp="1"/>
-          </p:cNvSpPr>
-          <p:nvPr>
-            <p:ph type="title"/>
-          </p:nvPr>
-        </p:nvSpPr>
-        <p:spPr/>
-        <p:txBody>
           <a:bodyPr/>
           <a:lstStyle/>
           <a:p>
             <a:r>
               <a:rPr lang="fr-BE" dirty="0" smtClean="0"/>
               <a:t>Business Case</a:t>
+            </a:r>
+          </a:p>
+          <a:p>
+            <a:r>
+              <a:rPr lang="fr-BE" dirty="0" smtClean="0"/>
+              <a:t>The data</a:t>
+            </a:r>
+          </a:p>
+          <a:p>
+            <a:r>
+              <a:rPr lang="fr-BE" dirty="0" smtClean="0"/>
+              <a:t>The </a:t>
+            </a:r>
+            <a:r>
+              <a:rPr lang="fr-BE" dirty="0" err="1" smtClean="0"/>
+              <a:t>method</a:t>
+            </a:r>
+            <a:endParaRPr lang="fr-BE" dirty="0" smtClean="0"/>
+          </a:p>
+          <a:p>
+            <a:r>
+              <a:rPr lang="fr-BE" dirty="0" err="1" smtClean="0"/>
+              <a:t>Results</a:t>
+            </a:r>
+            <a:endParaRPr lang="fr-BE" dirty="0" smtClean="0"/>
+          </a:p>
+          <a:p>
+            <a:r>
+              <a:rPr lang="fr-BE" dirty="0" smtClean="0"/>
+              <a:t>Discussion</a:t>
+            </a:r>
+          </a:p>
+          <a:p>
+            <a:r>
+              <a:rPr lang="fr-BE" smtClean="0"/>
+              <a:t>Conclusion</a:t>
+            </a:r>
+            <a:endParaRPr lang="fr-BE" dirty="0" smtClean="0"/>
+          </a:p>
+          <a:p>
+            <a:endParaRPr lang="fr-BE" dirty="0"/>
+          </a:p>
+        </p:txBody>
+      </p:sp>
+      <p:sp>
+        <p:nvSpPr>
+          <p:cNvPr id="3" name="Title 2"/>
+          <p:cNvSpPr>
+            <a:spLocks noGrp="1"/>
+          </p:cNvSpPr>
+          <p:nvPr>
+            <p:ph type="title"/>
+          </p:nvPr>
+        </p:nvSpPr>
+        <p:spPr/>
+        <p:txBody>
+          <a:bodyPr/>
+          <a:lstStyle/>
+          <a:p>
+            <a:r>
+              <a:rPr lang="fr-BE" dirty="0" smtClean="0"/>
+              <a:t>Agenda</a:t>
             </a:r>
             <a:endParaRPr lang="fr-BE" dirty="0"/>
           </a:p>
@@ -4838,7 +4800,7 @@
     </p:spTree>
     <p:extLst>
       <p:ext uri="{BB962C8B-B14F-4D97-AF65-F5344CB8AC3E}">
-        <p14:creationId xmlns:p14="http://schemas.microsoft.com/office/powerpoint/2010/main" val="2404827329"/>
+        <p14:creationId xmlns:p14="http://schemas.microsoft.com/office/powerpoint/2010/main" val="1638456001"/>
       </p:ext>
     </p:extLst>
   </p:cSld>
@@ -4891,7 +4853,7 @@
                   <a:srgbClr val="0070C0"/>
                 </a:solidFill>
               </a:rPr>
-              <a:t>The explanatory variables we will look at are:</a:t>
+              <a:t>An international seller of luxury furnishing wants to:</a:t>
             </a:r>
             <a:endParaRPr lang="fr-BE" sz="2000" dirty="0">
               <a:solidFill>
@@ -4902,138 +4864,67 @@
           <a:p>
             <a:pPr lvl="0"/>
             <a:r>
-              <a:rPr lang="en-US" sz="1600" dirty="0"/>
-              <a:t>'Population 18-44': </a:t>
-            </a:r>
-            <a:endParaRPr lang="en-US" sz="1600" dirty="0" smtClean="0"/>
-          </a:p>
-          <a:p>
-            <a:pPr lvl="1"/>
-            <a:r>
-              <a:rPr lang="en-US" sz="1200" dirty="0" smtClean="0"/>
-              <a:t>the </a:t>
-            </a:r>
-            <a:r>
-              <a:rPr lang="en-US" sz="1200" dirty="0"/>
-              <a:t>number of persons in the neighbor(</a:t>
-            </a:r>
-            <a:r>
-              <a:rPr lang="en-US" sz="1200" dirty="0" err="1"/>
-              <a:t>i.e</a:t>
-            </a:r>
-            <a:r>
-              <a:rPr lang="en-US" sz="1200" dirty="0"/>
-              <a:t>; postal code) which have an age we deem is comprised in our target range</a:t>
-            </a:r>
-            <a:endParaRPr lang="fr-BE" sz="1200" dirty="0"/>
+              <a:rPr lang="en-US" sz="1800" dirty="0"/>
+              <a:t>launch a marketing campaign in Belgium </a:t>
+            </a:r>
+            <a:endParaRPr lang="fr-BE" sz="1800" dirty="0"/>
+          </a:p>
+          <a:p>
+            <a:r>
+              <a:rPr lang="en-US" sz="1800" dirty="0"/>
+              <a:t>create a few stores in Belgium (if it estimates the market is not packed yet of similar stores</a:t>
+            </a:r>
+            <a:r>
+              <a:rPr lang="en-US" sz="1800" dirty="0" smtClean="0"/>
+              <a:t>)</a:t>
+            </a:r>
+          </a:p>
+          <a:p>
+            <a:pPr marL="109728" indent="0">
+              <a:buNone/>
+            </a:pPr>
+            <a:endParaRPr lang="en-US" sz="2000" dirty="0"/>
+          </a:p>
+          <a:p>
+            <a:pPr marL="109728" indent="0">
+              <a:buNone/>
+            </a:pPr>
+            <a:r>
+              <a:rPr lang="en-US" sz="2000" dirty="0">
+                <a:solidFill>
+                  <a:srgbClr val="0070C0"/>
+                </a:solidFill>
+              </a:rPr>
+              <a:t>The potential customers share the following features:</a:t>
+            </a:r>
+            <a:endParaRPr lang="fr-BE" sz="2000" dirty="0">
+              <a:solidFill>
+                <a:srgbClr val="0070C0"/>
+              </a:solidFill>
+            </a:endParaRPr>
           </a:p>
           <a:p>
             <a:pPr lvl="0"/>
             <a:r>
-              <a:rPr lang="en-US" sz="1600" dirty="0"/>
-              <a:t>'</a:t>
-            </a:r>
-            <a:r>
-              <a:rPr lang="en-US" sz="1600" dirty="0" err="1"/>
-              <a:t>N_Proprio</a:t>
-            </a:r>
-            <a:r>
-              <a:rPr lang="en-US" sz="1600" dirty="0"/>
-              <a:t>': </a:t>
-            </a:r>
-            <a:endParaRPr lang="en-US" sz="1600" dirty="0" smtClean="0"/>
-          </a:p>
-          <a:p>
-            <a:pPr lvl="1"/>
-            <a:r>
-              <a:rPr lang="en-US" sz="1200" dirty="0" smtClean="0"/>
-              <a:t>the </a:t>
-            </a:r>
-            <a:r>
-              <a:rPr lang="en-US" sz="1200" dirty="0"/>
-              <a:t>number of housing owners: we assume housing owners are wealthy people which are likely to invest in high-end furniture (people that rent a place are less likely to buy expensive furniture as we assume they are less likely to stay in their housing for long term)</a:t>
-            </a:r>
-            <a:endParaRPr lang="fr-BE" sz="1200" dirty="0"/>
+              <a:rPr lang="en-US" sz="1800" dirty="0"/>
+              <a:t>Age: 18-44 years</a:t>
+            </a:r>
+            <a:endParaRPr lang="fr-BE" sz="1800" dirty="0"/>
           </a:p>
           <a:p>
             <a:pPr lvl="0"/>
             <a:r>
-              <a:rPr lang="en-US" sz="1600" dirty="0"/>
-              <a:t>,'&gt;40KEUR: </a:t>
-            </a:r>
-            <a:endParaRPr lang="en-US" sz="1600" dirty="0" smtClean="0"/>
-          </a:p>
-          <a:p>
-            <a:pPr lvl="1"/>
-            <a:r>
-              <a:rPr lang="en-US" sz="1200" dirty="0" smtClean="0"/>
-              <a:t>the </a:t>
-            </a:r>
-            <a:r>
-              <a:rPr lang="en-US" sz="1200" dirty="0"/>
-              <a:t>number of people that earn more than 40k€/year in the neighbor. We assume people that earn less are less likely to buy expensive furniture</a:t>
-            </a:r>
-            <a:endParaRPr lang="fr-BE" sz="1200" dirty="0"/>
-          </a:p>
-          <a:p>
-            <a:pPr lvl="0"/>
-            <a:r>
-              <a:rPr lang="en-US" sz="1600" dirty="0"/>
-              <a:t>','</a:t>
-            </a:r>
-            <a:r>
-              <a:rPr lang="en-US" sz="1600" dirty="0" err="1"/>
-              <a:t>AvgPrice</a:t>
-            </a:r>
-            <a:r>
-              <a:rPr lang="en-US" sz="1600" dirty="0"/>
-              <a:t>': </a:t>
-            </a:r>
-            <a:endParaRPr lang="en-US" sz="1600" dirty="0" smtClean="0"/>
-          </a:p>
-          <a:p>
-            <a:pPr lvl="1"/>
-            <a:r>
-              <a:rPr lang="en-US" sz="1200" dirty="0" smtClean="0"/>
-              <a:t>a </a:t>
-            </a:r>
-            <a:r>
-              <a:rPr lang="en-US" sz="1200" dirty="0"/>
-              <a:t>measure to assess the propensity and capacity of the population to buy expensive </a:t>
-            </a:r>
-            <a:r>
-              <a:rPr lang="en-US" sz="1200" dirty="0" err="1"/>
-              <a:t>furntirues</a:t>
-            </a:r>
-            <a:r>
-              <a:rPr lang="en-US" sz="1200" dirty="0"/>
-              <a:t> is the </a:t>
-            </a:r>
-            <a:r>
-              <a:rPr lang="en-US" sz="1200" dirty="0" err="1"/>
-              <a:t>avgprice</a:t>
-            </a:r>
-            <a:r>
-              <a:rPr lang="en-US" sz="1200" dirty="0"/>
-              <a:t> of their house </a:t>
-            </a:r>
-            <a:endParaRPr lang="fr-BE" sz="1200" dirty="0"/>
-          </a:p>
-          <a:p>
-            <a:pPr lvl="2"/>
-            <a:r>
-              <a:rPr lang="en-US" sz="1200" dirty="0"/>
-              <a:t>we assume the higher the price, the bigger the house and hence the more furniture will be bought.</a:t>
-            </a:r>
-            <a:endParaRPr lang="fr-BE" sz="1200" dirty="0"/>
-          </a:p>
-          <a:p>
-            <a:pPr lvl="2"/>
-            <a:r>
-              <a:rPr lang="en-US" sz="1200" dirty="0"/>
-              <a:t>We assume the higher the price, the richer are the inhabitants</a:t>
-            </a:r>
-            <a:endParaRPr lang="fr-BE" sz="1200" dirty="0"/>
+              <a:rPr lang="en-US" sz="1800" dirty="0"/>
+              <a:t>High propensity to buy luxury furniture’s assessed based on  housing price </a:t>
+            </a:r>
+            <a:endParaRPr lang="fr-BE" sz="1800" dirty="0"/>
+          </a:p>
+          <a:p>
+            <a:r>
+              <a:rPr lang="en-US" sz="1800" dirty="0"/>
+              <a:t>Owner of the housing (these are assumed to be more likely to buy luxury furniture’s)</a:t>
+            </a:r>
+            <a:endParaRPr lang="fr-BE" sz="1800" dirty="0"/>
           </a:p>
         </p:txBody>
       </p:sp>
@@ -5054,7 +4945,7 @@
           <a:p>
             <a:r>
               <a:rPr lang="fr-BE" dirty="0" smtClean="0"/>
-              <a:t>The data</a:t>
+              <a:t>Business Case</a:t>
             </a:r>
             <a:endParaRPr lang="fr-BE" dirty="0"/>
           </a:p>
@@ -5063,7 +4954,7 @@
     </p:spTree>
     <p:extLst>
       <p:ext uri="{BB962C8B-B14F-4D97-AF65-F5344CB8AC3E}">
-        <p14:creationId xmlns:p14="http://schemas.microsoft.com/office/powerpoint/2010/main" val="3846601512"/>
+        <p14:creationId xmlns:p14="http://schemas.microsoft.com/office/powerpoint/2010/main" val="2404827329"/>
       </p:ext>
     </p:extLst>
   </p:cSld>
@@ -5111,6 +5002,231 @@
               <a:buNone/>
             </a:pPr>
             <a:r>
+              <a:rPr lang="en-US" sz="2000" dirty="0">
+                <a:solidFill>
+                  <a:srgbClr val="0070C0"/>
+                </a:solidFill>
+              </a:rPr>
+              <a:t>The explanatory variables we will look at are:</a:t>
+            </a:r>
+            <a:endParaRPr lang="fr-BE" sz="2000" dirty="0">
+              <a:solidFill>
+                <a:srgbClr val="0070C0"/>
+              </a:solidFill>
+            </a:endParaRPr>
+          </a:p>
+          <a:p>
+            <a:pPr lvl="0"/>
+            <a:r>
+              <a:rPr lang="en-US" sz="1600" dirty="0"/>
+              <a:t>'Population 18-44': </a:t>
+            </a:r>
+            <a:endParaRPr lang="en-US" sz="1600" dirty="0" smtClean="0"/>
+          </a:p>
+          <a:p>
+            <a:pPr lvl="1"/>
+            <a:r>
+              <a:rPr lang="en-US" sz="1200" dirty="0" smtClean="0"/>
+              <a:t>the </a:t>
+            </a:r>
+            <a:r>
+              <a:rPr lang="en-US" sz="1200" dirty="0"/>
+              <a:t>number of persons in the neighbor(</a:t>
+            </a:r>
+            <a:r>
+              <a:rPr lang="en-US" sz="1200" dirty="0" err="1"/>
+              <a:t>i.e</a:t>
+            </a:r>
+            <a:r>
+              <a:rPr lang="en-US" sz="1200" dirty="0"/>
+              <a:t>; postal code) which have an age we deem is comprised in our target range</a:t>
+            </a:r>
+            <a:endParaRPr lang="fr-BE" sz="1200" dirty="0"/>
+          </a:p>
+          <a:p>
+            <a:pPr lvl="0"/>
+            <a:r>
+              <a:rPr lang="en-US" sz="1600" dirty="0"/>
+              <a:t>'</a:t>
+            </a:r>
+            <a:r>
+              <a:rPr lang="en-US" sz="1600" dirty="0" err="1"/>
+              <a:t>N_Proprio</a:t>
+            </a:r>
+            <a:r>
+              <a:rPr lang="en-US" sz="1600" dirty="0"/>
+              <a:t>': </a:t>
+            </a:r>
+            <a:endParaRPr lang="en-US" sz="1600" dirty="0" smtClean="0"/>
+          </a:p>
+          <a:p>
+            <a:pPr lvl="1"/>
+            <a:r>
+              <a:rPr lang="en-US" sz="1200" dirty="0" smtClean="0"/>
+              <a:t>the </a:t>
+            </a:r>
+            <a:r>
+              <a:rPr lang="en-US" sz="1200" dirty="0"/>
+              <a:t>number of housing owners: we assume housing owners are wealthy people which are likely to invest in high-end furniture (people that rent a place are less likely to buy expensive furniture as we assume they are less likely to stay in their housing for long term)</a:t>
+            </a:r>
+            <a:endParaRPr lang="fr-BE" sz="1200" dirty="0"/>
+          </a:p>
+          <a:p>
+            <a:pPr lvl="0"/>
+            <a:r>
+              <a:rPr lang="en-US" sz="1600" dirty="0"/>
+              <a:t>,'&gt;40KEUR: </a:t>
+            </a:r>
+            <a:endParaRPr lang="en-US" sz="1600" dirty="0" smtClean="0"/>
+          </a:p>
+          <a:p>
+            <a:pPr lvl="1"/>
+            <a:r>
+              <a:rPr lang="en-US" sz="1200" dirty="0" smtClean="0"/>
+              <a:t>the </a:t>
+            </a:r>
+            <a:r>
+              <a:rPr lang="en-US" sz="1200" dirty="0"/>
+              <a:t>number of people that earn more than 40k€/year in the neighbor. We assume people that earn less are less likely to buy expensive furniture</a:t>
+            </a:r>
+            <a:endParaRPr lang="fr-BE" sz="1200" dirty="0"/>
+          </a:p>
+          <a:p>
+            <a:pPr lvl="0"/>
+            <a:r>
+              <a:rPr lang="en-US" sz="1600" dirty="0"/>
+              <a:t>','</a:t>
+            </a:r>
+            <a:r>
+              <a:rPr lang="en-US" sz="1600" dirty="0" err="1"/>
+              <a:t>AvgPrice</a:t>
+            </a:r>
+            <a:r>
+              <a:rPr lang="en-US" sz="1600" dirty="0"/>
+              <a:t>': </a:t>
+            </a:r>
+            <a:endParaRPr lang="en-US" sz="1600" dirty="0" smtClean="0"/>
+          </a:p>
+          <a:p>
+            <a:pPr lvl="1"/>
+            <a:r>
+              <a:rPr lang="en-US" sz="1200" dirty="0" smtClean="0"/>
+              <a:t>a </a:t>
+            </a:r>
+            <a:r>
+              <a:rPr lang="en-US" sz="1200" dirty="0"/>
+              <a:t>measure to assess the propensity and capacity of the population to buy expensive </a:t>
+            </a:r>
+            <a:r>
+              <a:rPr lang="en-US" sz="1200" dirty="0" err="1"/>
+              <a:t>furntirues</a:t>
+            </a:r>
+            <a:r>
+              <a:rPr lang="en-US" sz="1200" dirty="0"/>
+              <a:t> is the </a:t>
+            </a:r>
+            <a:r>
+              <a:rPr lang="en-US" sz="1200" dirty="0" err="1"/>
+              <a:t>avgprice</a:t>
+            </a:r>
+            <a:r>
+              <a:rPr lang="en-US" sz="1200" dirty="0"/>
+              <a:t> of their house </a:t>
+            </a:r>
+            <a:endParaRPr lang="fr-BE" sz="1200" dirty="0"/>
+          </a:p>
+          <a:p>
+            <a:pPr lvl="2"/>
+            <a:r>
+              <a:rPr lang="en-US" sz="1200" dirty="0"/>
+              <a:t>we assume the higher the price, the bigger the house and hence the more furniture will be bought.</a:t>
+            </a:r>
+            <a:endParaRPr lang="fr-BE" sz="1200" dirty="0"/>
+          </a:p>
+          <a:p>
+            <a:pPr lvl="2"/>
+            <a:r>
+              <a:rPr lang="en-US" sz="1200" dirty="0"/>
+              <a:t>We assume the higher the price, the richer are the inhabitants</a:t>
+            </a:r>
+            <a:endParaRPr lang="fr-BE" sz="1200" dirty="0"/>
+          </a:p>
+        </p:txBody>
+      </p:sp>
+      <p:sp>
+        <p:nvSpPr>
+          <p:cNvPr id="3" name="Title 2"/>
+          <p:cNvSpPr>
+            <a:spLocks noGrp="1"/>
+          </p:cNvSpPr>
+          <p:nvPr>
+            <p:ph type="title"/>
+          </p:nvPr>
+        </p:nvSpPr>
+        <p:spPr/>
+        <p:txBody>
+          <a:bodyPr/>
+          <a:lstStyle/>
+          <a:p>
+            <a:r>
+              <a:rPr lang="fr-BE" dirty="0" smtClean="0"/>
+              <a:t>The data</a:t>
+            </a:r>
+            <a:endParaRPr lang="fr-BE" dirty="0"/>
+          </a:p>
+        </p:txBody>
+      </p:sp>
+    </p:spTree>
+    <p:extLst>
+      <p:ext uri="{BB962C8B-B14F-4D97-AF65-F5344CB8AC3E}">
+        <p14:creationId xmlns:p14="http://schemas.microsoft.com/office/powerpoint/2010/main" val="3846601512"/>
+      </p:ext>
+    </p:extLst>
+  </p:cSld>
+  <p:clrMapOvr>
+    <a:masterClrMapping/>
+  </p:clrMapOvr>
+</p:sld>
+</file>
+
+<file path=ppt/slides/slide5.xml><?xml version="1.0" encoding="utf-8"?>
+<p:sld xmlns:a="http://schemas.openxmlformats.org/drawingml/2006/main" xmlns:r="http://schemas.openxmlformats.org/officeDocument/2006/relationships" xmlns:p="http://schemas.openxmlformats.org/presentationml/2006/main">
+  <p:cSld>
+    <p:spTree>
+      <p:nvGrpSpPr>
+        <p:cNvPr id="1" name=""/>
+        <p:cNvGrpSpPr/>
+        <p:nvPr/>
+      </p:nvGrpSpPr>
+      <p:grpSpPr>
+        <a:xfrm>
+          <a:off x="0" y="0"/>
+          <a:ext cx="0" cy="0"/>
+          <a:chOff x="0" y="0"/>
+          <a:chExt cx="0" cy="0"/>
+        </a:xfrm>
+      </p:grpSpPr>
+      <p:sp>
+        <p:nvSpPr>
+          <p:cNvPr id="2" name="Content Placeholder 1"/>
+          <p:cNvSpPr>
+            <a:spLocks noGrp="1"/>
+          </p:cNvSpPr>
+          <p:nvPr>
+            <p:ph idx="1"/>
+          </p:nvPr>
+        </p:nvSpPr>
+        <p:spPr/>
+        <p:txBody>
+          <a:bodyPr>
+            <a:noAutofit/>
+          </a:bodyPr>
+          <a:lstStyle/>
+          <a:p>
+            <a:pPr marL="109728" indent="0">
+              <a:buNone/>
+            </a:pPr>
+            <a:r>
               <a:rPr lang="en-US" sz="2000" dirty="0" smtClean="0">
                 <a:solidFill>
                   <a:srgbClr val="0070C0"/>
@@ -5166,13 +5282,8 @@
             <a:pPr lvl="0"/>
             <a:r>
               <a:rPr lang="en-US" sz="1600" dirty="0"/>
-              <a:t>We </a:t>
-            </a:r>
-            <a:r>
-              <a:rPr lang="en-US" sz="1600" dirty="0"/>
-              <a:t>do not have any indication on whether their propensity to buy is high or low. This is the reason why we use unsupervised ML technique</a:t>
-            </a:r>
-            <a:endParaRPr lang="en-US" sz="1600" dirty="0"/>
+              <a:t>We do not have any indication on whether their propensity to buy is high or low. This is the reason why we use unsupervised ML technique</a:t>
+            </a:r>
           </a:p>
           <a:p>
             <a:pPr lvl="0"/>
@@ -5220,7 +5331,7 @@
 </p:sld>
 </file>
 
-<file path=ppt/slides/slide5.xml><?xml version="1.0" encoding="utf-8"?>
+<file path=ppt/slides/slide6.xml><?xml version="1.0" encoding="utf-8"?>
 <p:sld xmlns:a="http://schemas.openxmlformats.org/drawingml/2006/main" xmlns:r="http://schemas.openxmlformats.org/officeDocument/2006/relationships" xmlns:p="http://schemas.openxmlformats.org/presentationml/2006/main">
   <p:cSld>
     <p:spTree>
@@ -5525,7 +5636,7 @@
 </p:sld>
 </file>
 
-<file path=ppt/slides/slide6.xml><?xml version="1.0" encoding="utf-8"?>
+<file path=ppt/slides/slide7.xml><?xml version="1.0" encoding="utf-8"?>
 <p:sld xmlns:a="http://schemas.openxmlformats.org/drawingml/2006/main" xmlns:r="http://schemas.openxmlformats.org/officeDocument/2006/relationships" xmlns:p="http://schemas.openxmlformats.org/presentationml/2006/main">
   <p:cSld>
     <p:spTree>
@@ -5651,7 +5762,7 @@
 </p:sld>
 </file>
 
-<file path=ppt/slides/slide7.xml><?xml version="1.0" encoding="utf-8"?>
+<file path=ppt/slides/slide8.xml><?xml version="1.0" encoding="utf-8"?>
 <p:sld xmlns:a="http://schemas.openxmlformats.org/drawingml/2006/main" xmlns:r="http://schemas.openxmlformats.org/officeDocument/2006/relationships" xmlns:p="http://schemas.openxmlformats.org/presentationml/2006/main">
   <p:cSld>
     <p:spTree>
@@ -5895,7 +6006,7 @@
 </p:sld>
 </file>
 
-<file path=ppt/slides/slide8.xml><?xml version="1.0" encoding="utf-8"?>
+<file path=ppt/slides/slide9.xml><?xml version="1.0" encoding="utf-8"?>
 <p:sld xmlns:a="http://schemas.openxmlformats.org/drawingml/2006/main" xmlns:r="http://schemas.openxmlformats.org/officeDocument/2006/relationships" xmlns:p="http://schemas.openxmlformats.org/presentationml/2006/main">
   <p:cSld>
     <p:spTree>
